--- a/OSES_Project_Presentation.pptx
+++ b/OSES_Project_Presentation.pptx
@@ -163,7 +163,7 @@
 <file path=ppt/revisionInfo.xml><?xml version="1.0" encoding="utf-8"?>
 <p1510:revInfo xmlns:a="http://schemas.openxmlformats.org/drawingml/2006/main" xmlns:r="http://schemas.openxmlformats.org/officeDocument/2006/relationships" xmlns:p1510="http://schemas.microsoft.com/office/powerpoint/2015/10/main">
   <p1510:revLst>
-    <p1510:client id="{0530444B-EC20-48A6-9AF8-90B4E8FB1F39}" v="232" dt="2025-09-18T16:42:25.837"/>
+    <p1510:client id="{0530444B-EC20-48A6-9AF8-90B4E8FB1F39}" v="244" dt="2025-09-19T07:15:55.210"/>
     <p1510:client id="{087DC53C-430A-FEAD-7194-9F346053E7EA}" v="10" dt="2025-09-18T20:08:56.114"/>
     <p1510:client id="{0A86E322-2FA8-C924-4C5F-8BFBE9C43726}" v="7013" dt="2025-09-18T16:28:06.154"/>
     <p1510:client id="{0D54FFCB-68EB-620D-70B9-873965F854C3}" v="1284" dt="2025-09-18T15:55:11.325"/>
@@ -176,9 +176,96 @@
 <file path=ppt/changesInfos/changesInfo1.xml><?xml version="1.0" encoding="utf-8"?>
 <pc:chgInfo xmlns:a="http://schemas.openxmlformats.org/drawingml/2006/main" xmlns:r="http://schemas.openxmlformats.org/officeDocument/2006/relationships" xmlns:ac="http://schemas.microsoft.com/office/drawing/2013/main/command" xmlns:pc="http://schemas.microsoft.com/office/powerpoint/2013/main/command">
   <pc:docChgLst>
+    <pc:chgData name="Galati  Stefano" userId="S::s342146@studenti.polito.it::d98d2329-cee4-4cdd-8855-8dc057502252" providerId="AD" clId="Web-{942A1F02-8296-1600-14D3-DC5E4395837F}"/>
+    <pc:docChg chg="addSld modSld sldOrd">
+      <pc:chgData name="Galati  Stefano" userId="S::s342146@studenti.polito.it::d98d2329-cee4-4cdd-8855-8dc057502252" providerId="AD" clId="Web-{942A1F02-8296-1600-14D3-DC5E4395837F}" dt="2025-09-18T16:42:50.789" v="20" actId="1076"/>
+      <pc:docMkLst>
+        <pc:docMk/>
+      </pc:docMkLst>
+      <pc:sldChg chg="addSp delSp modSp add ord replId">
+        <pc:chgData name="Galati  Stefano" userId="S::s342146@studenti.polito.it::d98d2329-cee4-4cdd-8855-8dc057502252" providerId="AD" clId="Web-{942A1F02-8296-1600-14D3-DC5E4395837F}" dt="2025-09-18T16:42:50.789" v="20" actId="1076"/>
+        <pc:sldMkLst>
+          <pc:docMk/>
+          <pc:sldMk cId="1003916246" sldId="273"/>
+        </pc:sldMkLst>
+        <pc:spChg chg="del mod">
+          <ac:chgData name="Galati  Stefano" userId="S::s342146@studenti.polito.it::d98d2329-cee4-4cdd-8855-8dc057502252" providerId="AD" clId="Web-{942A1F02-8296-1600-14D3-DC5E4395837F}" dt="2025-09-18T16:42:27.366" v="18"/>
+          <ac:spMkLst>
+            <pc:docMk/>
+            <pc:sldMk cId="1003916246" sldId="273"/>
+            <ac:spMk id="2" creationId="{7A7B4DE6-EB32-DB32-9A31-36AD27782E67}"/>
+          </ac:spMkLst>
+        </pc:spChg>
+        <pc:spChg chg="mod">
+          <ac:chgData name="Galati  Stefano" userId="S::s342146@studenti.polito.it::d98d2329-cee4-4cdd-8855-8dc057502252" providerId="AD" clId="Web-{942A1F02-8296-1600-14D3-DC5E4395837F}" dt="2025-09-18T16:42:23.507" v="15" actId="20577"/>
+          <ac:spMkLst>
+            <pc:docMk/>
+            <pc:sldMk cId="1003916246" sldId="273"/>
+            <ac:spMk id="3" creationId="{43A117BD-5E10-F87C-D394-F7620B34544A}"/>
+          </ac:spMkLst>
+        </pc:spChg>
+        <pc:picChg chg="add mod">
+          <ac:chgData name="Galati  Stefano" userId="S::s342146@studenti.polito.it::d98d2329-cee4-4cdd-8855-8dc057502252" providerId="AD" clId="Web-{942A1F02-8296-1600-14D3-DC5E4395837F}" dt="2025-09-18T16:42:50.789" v="20" actId="1076"/>
+          <ac:picMkLst>
+            <pc:docMk/>
+            <pc:sldMk cId="1003916246" sldId="273"/>
+            <ac:picMk id="4" creationId="{4433E025-076B-A367-186A-93F60A074B25}"/>
+          </ac:picMkLst>
+        </pc:picChg>
+      </pc:sldChg>
+    </pc:docChg>
+  </pc:docChgLst>
+  <pc:docChgLst>
+    <pc:chgData name="Perricone  Claudio Pio" userId="S::s333942@studenti.polito.it::bbaf351d-d027-42c3-a7a6-6c63cbb00814" providerId="AD" clId="Web-{E4305095-8002-A4EC-B4A9-3DB1A3CE486C}"/>
+    <pc:docChg chg="modSld">
+      <pc:chgData name="Perricone  Claudio Pio" userId="S::s333942@studenti.polito.it::bbaf351d-d027-42c3-a7a6-6c63cbb00814" providerId="AD" clId="Web-{E4305095-8002-A4EC-B4A9-3DB1A3CE486C}" dt="2025-09-19T07:04:21.027" v="714" actId="20577"/>
+      <pc:docMkLst>
+        <pc:docMk/>
+      </pc:docMkLst>
+      <pc:sldChg chg="modSp">
+        <pc:chgData name="Perricone  Claudio Pio" userId="S::s333942@studenti.polito.it::bbaf351d-d027-42c3-a7a6-6c63cbb00814" providerId="AD" clId="Web-{E4305095-8002-A4EC-B4A9-3DB1A3CE486C}" dt="2025-09-19T06:50:41.863" v="330" actId="1076"/>
+        <pc:sldMkLst>
+          <pc:docMk/>
+          <pc:sldMk cId="1999928100" sldId="266"/>
+        </pc:sldMkLst>
+        <pc:spChg chg="mod">
+          <ac:chgData name="Perricone  Claudio Pio" userId="S::s333942@studenti.polito.it::bbaf351d-d027-42c3-a7a6-6c63cbb00814" providerId="AD" clId="Web-{E4305095-8002-A4EC-B4A9-3DB1A3CE486C}" dt="2025-09-19T06:44:12.106" v="9" actId="20577"/>
+          <ac:spMkLst>
+            <pc:docMk/>
+            <pc:sldMk cId="1999928100" sldId="266"/>
+            <ac:spMk id="4" creationId="{7ED94C8B-1A35-4539-E3AF-EACBF60C9369}"/>
+          </ac:spMkLst>
+        </pc:spChg>
+        <pc:spChg chg="mod">
+          <ac:chgData name="Perricone  Claudio Pio" userId="S::s333942@studenti.polito.it::bbaf351d-d027-42c3-a7a6-6c63cbb00814" providerId="AD" clId="Web-{E4305095-8002-A4EC-B4A9-3DB1A3CE486C}" dt="2025-09-19T06:50:41.863" v="330" actId="1076"/>
+          <ac:spMkLst>
+            <pc:docMk/>
+            <pc:sldMk cId="1999928100" sldId="266"/>
+            <ac:spMk id="8" creationId="{7693CB0E-32F6-F5A0-0C08-0B8C80D4E58B}"/>
+          </ac:spMkLst>
+        </pc:spChg>
+      </pc:sldChg>
+      <pc:sldChg chg="modSp">
+        <pc:chgData name="Perricone  Claudio Pio" userId="S::s333942@studenti.polito.it::bbaf351d-d027-42c3-a7a6-6c63cbb00814" providerId="AD" clId="Web-{E4305095-8002-A4EC-B4A9-3DB1A3CE486C}" dt="2025-09-19T07:04:21.027" v="714" actId="20577"/>
+        <pc:sldMkLst>
+          <pc:docMk/>
+          <pc:sldMk cId="515134997" sldId="268"/>
+        </pc:sldMkLst>
+        <pc:spChg chg="mod">
+          <ac:chgData name="Perricone  Claudio Pio" userId="S::s333942@studenti.polito.it::bbaf351d-d027-42c3-a7a6-6c63cbb00814" providerId="AD" clId="Web-{E4305095-8002-A4EC-B4A9-3DB1A3CE486C}" dt="2025-09-19T07:04:21.027" v="714" actId="20577"/>
+          <ac:spMkLst>
+            <pc:docMk/>
+            <pc:sldMk cId="515134997" sldId="268"/>
+            <ac:spMk id="8" creationId="{320DE1EA-0453-7F9D-4356-B7C0498B11B5}"/>
+          </ac:spMkLst>
+        </pc:spChg>
+      </pc:sldChg>
+    </pc:docChg>
+  </pc:docChgLst>
+  <pc:docChgLst>
     <pc:chgData name="ARCIDIACONO GABRIELE" userId="7ec960f7-63c9-4eeb-a765-989acabbbf0f" providerId="ADAL" clId="{3DC8AF50-850A-43E9-8474-E93F5E1D0D4C}"/>
     <pc:docChg chg="undo custSel modSld sldOrd">
-      <pc:chgData name="ARCIDIACONO GABRIELE" userId="7ec960f7-63c9-4eeb-a765-989acabbbf0f" providerId="ADAL" clId="{3DC8AF50-850A-43E9-8474-E93F5E1D0D4C}" dt="2025-09-18T16:42:25.837" v="248" actId="113"/>
+      <pc:chgData name="ARCIDIACONO GABRIELE" userId="7ec960f7-63c9-4eeb-a765-989acabbbf0f" providerId="ADAL" clId="{3DC8AF50-850A-43E9-8474-E93F5E1D0D4C}" dt="2025-09-19T07:15:55.210" v="260" actId="1076"/>
       <pc:docMkLst>
         <pc:docMk/>
       </pc:docMkLst>
@@ -243,7 +330,7 @@
         </pc:spChg>
       </pc:sldChg>
       <pc:sldChg chg="addSp delSp modSp mod">
-        <pc:chgData name="ARCIDIACONO GABRIELE" userId="7ec960f7-63c9-4eeb-a765-989acabbbf0f" providerId="ADAL" clId="{3DC8AF50-850A-43E9-8474-E93F5E1D0D4C}" dt="2025-09-18T16:41:00.519" v="206" actId="14100"/>
+        <pc:chgData name="ARCIDIACONO GABRIELE" userId="7ec960f7-63c9-4eeb-a765-989acabbbf0f" providerId="ADAL" clId="{3DC8AF50-850A-43E9-8474-E93F5E1D0D4C}" dt="2025-09-19T07:15:55.210" v="260" actId="1076"/>
         <pc:sldMkLst>
           <pc:docMk/>
           <pc:sldMk cId="0" sldId="260"/>
@@ -265,7 +352,15 @@
           </ac:spMkLst>
         </pc:spChg>
         <pc:picChg chg="add mod">
-          <ac:chgData name="ARCIDIACONO GABRIELE" userId="7ec960f7-63c9-4eeb-a765-989acabbbf0f" providerId="ADAL" clId="{3DC8AF50-850A-43E9-8474-E93F5E1D0D4C}" dt="2025-09-18T16:41:00.519" v="206" actId="14100"/>
+          <ac:chgData name="ARCIDIACONO GABRIELE" userId="7ec960f7-63c9-4eeb-a765-989acabbbf0f" providerId="ADAL" clId="{3DC8AF50-850A-43E9-8474-E93F5E1D0D4C}" dt="2025-09-19T07:15:55.210" v="260" actId="1076"/>
+          <ac:picMkLst>
+            <pc:docMk/>
+            <pc:sldMk cId="0" sldId="260"/>
+            <ac:picMk id="7" creationId="{A7874CBB-6553-3C9B-56F2-BE502D2CC1BC}"/>
+          </ac:picMkLst>
+        </pc:picChg>
+        <pc:picChg chg="add del mod modCrop">
+          <ac:chgData name="ARCIDIACONO GABRIELE" userId="7ec960f7-63c9-4eeb-a765-989acabbbf0f" providerId="ADAL" clId="{3DC8AF50-850A-43E9-8474-E93F5E1D0D4C}" dt="2025-09-19T07:15:48.984" v="256" actId="478"/>
           <ac:picMkLst>
             <pc:docMk/>
             <pc:sldMk cId="0" sldId="260"/>
@@ -406,93 +501,6 @@
           <pc:docMk/>
           <pc:sldMk cId="3712749252" sldId="272"/>
         </pc:sldMkLst>
-      </pc:sldChg>
-    </pc:docChg>
-  </pc:docChgLst>
-  <pc:docChgLst>
-    <pc:chgData name="Galati  Stefano" userId="S::s342146@studenti.polito.it::d98d2329-cee4-4cdd-8855-8dc057502252" providerId="AD" clId="Web-{087DC53C-430A-FEAD-7194-9F346053E7EA}"/>
-    <pc:docChg chg="modSld">
-      <pc:chgData name="Galati  Stefano" userId="S::s342146@studenti.polito.it::d98d2329-cee4-4cdd-8855-8dc057502252" providerId="AD" clId="Web-{087DC53C-430A-FEAD-7194-9F346053E7EA}" dt="2025-09-18T20:08:55.942" v="6" actId="20577"/>
-      <pc:docMkLst>
-        <pc:docMk/>
-      </pc:docMkLst>
-      <pc:sldChg chg="modSp">
-        <pc:chgData name="Galati  Stefano" userId="S::s342146@studenti.polito.it::d98d2329-cee4-4cdd-8855-8dc057502252" providerId="AD" clId="Web-{087DC53C-430A-FEAD-7194-9F346053E7EA}" dt="2025-09-18T20:08:55.942" v="6" actId="20577"/>
-        <pc:sldMkLst>
-          <pc:docMk/>
-          <pc:sldMk cId="515134997" sldId="268"/>
-        </pc:sldMkLst>
-        <pc:spChg chg="mod">
-          <ac:chgData name="Galati  Stefano" userId="S::s342146@studenti.polito.it::d98d2329-cee4-4cdd-8855-8dc057502252" providerId="AD" clId="Web-{087DC53C-430A-FEAD-7194-9F346053E7EA}" dt="2025-09-18T20:08:55.942" v="6" actId="20577"/>
-          <ac:spMkLst>
-            <pc:docMk/>
-            <pc:sldMk cId="515134997" sldId="268"/>
-            <ac:spMk id="8" creationId="{320DE1EA-0453-7F9D-4356-B7C0498B11B5}"/>
-          </ac:spMkLst>
-        </pc:spChg>
-      </pc:sldChg>
-      <pc:sldChg chg="addSp delSp modSp">
-        <pc:chgData name="Galati  Stefano" userId="S::s342146@studenti.polito.it::d98d2329-cee4-4cdd-8855-8dc057502252" providerId="AD" clId="Web-{087DC53C-430A-FEAD-7194-9F346053E7EA}" dt="2025-09-18T20:05:34.517" v="5" actId="1076"/>
-        <pc:sldMkLst>
-          <pc:docMk/>
-          <pc:sldMk cId="2599516575" sldId="271"/>
-        </pc:sldMkLst>
-        <pc:picChg chg="add mod">
-          <ac:chgData name="Galati  Stefano" userId="S::s342146@studenti.polito.it::d98d2329-cee4-4cdd-8855-8dc057502252" providerId="AD" clId="Web-{087DC53C-430A-FEAD-7194-9F346053E7EA}" dt="2025-09-18T20:05:34.517" v="5" actId="1076"/>
-          <ac:picMkLst>
-            <pc:docMk/>
-            <pc:sldMk cId="2599516575" sldId="271"/>
-            <ac:picMk id="2" creationId="{FBA85E3E-DBEF-D672-431E-079A4DB5C645}"/>
-          </ac:picMkLst>
-        </pc:picChg>
-        <pc:picChg chg="del">
-          <ac:chgData name="Galati  Stefano" userId="S::s342146@studenti.polito.it::d98d2329-cee4-4cdd-8855-8dc057502252" providerId="AD" clId="Web-{087DC53C-430A-FEAD-7194-9F346053E7EA}" dt="2025-09-18T20:05:02.798" v="0"/>
-          <ac:picMkLst>
-            <pc:docMk/>
-            <pc:sldMk cId="2599516575" sldId="271"/>
-            <ac:picMk id="7" creationId="{DE6BA425-07D8-3915-241E-A60E292587B4}"/>
-          </ac:picMkLst>
-        </pc:picChg>
-      </pc:sldChg>
-    </pc:docChg>
-  </pc:docChgLst>
-  <pc:docChgLst>
-    <pc:chgData name="Galati  Stefano" userId="S::s342146@studenti.polito.it::d98d2329-cee4-4cdd-8855-8dc057502252" providerId="AD" clId="Web-{942A1F02-8296-1600-14D3-DC5E4395837F}"/>
-    <pc:docChg chg="addSld modSld sldOrd">
-      <pc:chgData name="Galati  Stefano" userId="S::s342146@studenti.polito.it::d98d2329-cee4-4cdd-8855-8dc057502252" providerId="AD" clId="Web-{942A1F02-8296-1600-14D3-DC5E4395837F}" dt="2025-09-18T16:42:50.789" v="20" actId="1076"/>
-      <pc:docMkLst>
-        <pc:docMk/>
-      </pc:docMkLst>
-      <pc:sldChg chg="addSp delSp modSp add ord replId">
-        <pc:chgData name="Galati  Stefano" userId="S::s342146@studenti.polito.it::d98d2329-cee4-4cdd-8855-8dc057502252" providerId="AD" clId="Web-{942A1F02-8296-1600-14D3-DC5E4395837F}" dt="2025-09-18T16:42:50.789" v="20" actId="1076"/>
-        <pc:sldMkLst>
-          <pc:docMk/>
-          <pc:sldMk cId="1003916246" sldId="273"/>
-        </pc:sldMkLst>
-        <pc:spChg chg="del mod">
-          <ac:chgData name="Galati  Stefano" userId="S::s342146@studenti.polito.it::d98d2329-cee4-4cdd-8855-8dc057502252" providerId="AD" clId="Web-{942A1F02-8296-1600-14D3-DC5E4395837F}" dt="2025-09-18T16:42:27.366" v="18"/>
-          <ac:spMkLst>
-            <pc:docMk/>
-            <pc:sldMk cId="1003916246" sldId="273"/>
-            <ac:spMk id="2" creationId="{7A7B4DE6-EB32-DB32-9A31-36AD27782E67}"/>
-          </ac:spMkLst>
-        </pc:spChg>
-        <pc:spChg chg="mod">
-          <ac:chgData name="Galati  Stefano" userId="S::s342146@studenti.polito.it::d98d2329-cee4-4cdd-8855-8dc057502252" providerId="AD" clId="Web-{942A1F02-8296-1600-14D3-DC5E4395837F}" dt="2025-09-18T16:42:23.507" v="15" actId="20577"/>
-          <ac:spMkLst>
-            <pc:docMk/>
-            <pc:sldMk cId="1003916246" sldId="273"/>
-            <ac:spMk id="3" creationId="{43A117BD-5E10-F87C-D394-F7620B34544A}"/>
-          </ac:spMkLst>
-        </pc:spChg>
-        <pc:picChg chg="add mod">
-          <ac:chgData name="Galati  Stefano" userId="S::s342146@studenti.polito.it::d98d2329-cee4-4cdd-8855-8dc057502252" providerId="AD" clId="Web-{942A1F02-8296-1600-14D3-DC5E4395837F}" dt="2025-09-18T16:42:50.789" v="20" actId="1076"/>
-          <ac:picMkLst>
-            <pc:docMk/>
-            <pc:sldMk cId="1003916246" sldId="273"/>
-            <ac:picMk id="4" creationId="{4433E025-076B-A367-186A-93F60A074B25}"/>
-          </ac:picMkLst>
-        </pc:picChg>
       </pc:sldChg>
     </pc:docChg>
   </pc:docChgLst>
@@ -938,49 +946,49 @@
     </pc:docChg>
   </pc:docChgLst>
   <pc:docChgLst>
-    <pc:chgData name="Perricone  Claudio Pio" userId="S::s333942@studenti.polito.it::bbaf351d-d027-42c3-a7a6-6c63cbb00814" providerId="AD" clId="Web-{E4305095-8002-A4EC-B4A9-3DB1A3CE486C}"/>
+    <pc:chgData name="Galati  Stefano" userId="S::s342146@studenti.polito.it::d98d2329-cee4-4cdd-8855-8dc057502252" providerId="AD" clId="Web-{087DC53C-430A-FEAD-7194-9F346053E7EA}"/>
     <pc:docChg chg="modSld">
-      <pc:chgData name="Perricone  Claudio Pio" userId="S::s333942@studenti.polito.it::bbaf351d-d027-42c3-a7a6-6c63cbb00814" providerId="AD" clId="Web-{E4305095-8002-A4EC-B4A9-3DB1A3CE486C}" dt="2025-09-19T07:04:21.027" v="714" actId="20577"/>
+      <pc:chgData name="Galati  Stefano" userId="S::s342146@studenti.polito.it::d98d2329-cee4-4cdd-8855-8dc057502252" providerId="AD" clId="Web-{087DC53C-430A-FEAD-7194-9F346053E7EA}" dt="2025-09-18T20:08:55.942" v="6" actId="20577"/>
       <pc:docMkLst>
         <pc:docMk/>
       </pc:docMkLst>
       <pc:sldChg chg="modSp">
-        <pc:chgData name="Perricone  Claudio Pio" userId="S::s333942@studenti.polito.it::bbaf351d-d027-42c3-a7a6-6c63cbb00814" providerId="AD" clId="Web-{E4305095-8002-A4EC-B4A9-3DB1A3CE486C}" dt="2025-09-19T06:50:41.863" v="330" actId="1076"/>
-        <pc:sldMkLst>
-          <pc:docMk/>
-          <pc:sldMk cId="1999928100" sldId="266"/>
-        </pc:sldMkLst>
-        <pc:spChg chg="mod">
-          <ac:chgData name="Perricone  Claudio Pio" userId="S::s333942@studenti.polito.it::bbaf351d-d027-42c3-a7a6-6c63cbb00814" providerId="AD" clId="Web-{E4305095-8002-A4EC-B4A9-3DB1A3CE486C}" dt="2025-09-19T06:44:12.106" v="9" actId="20577"/>
-          <ac:spMkLst>
-            <pc:docMk/>
-            <pc:sldMk cId="1999928100" sldId="266"/>
-            <ac:spMk id="4" creationId="{7ED94C8B-1A35-4539-E3AF-EACBF60C9369}"/>
-          </ac:spMkLst>
-        </pc:spChg>
-        <pc:spChg chg="mod">
-          <ac:chgData name="Perricone  Claudio Pio" userId="S::s333942@studenti.polito.it::bbaf351d-d027-42c3-a7a6-6c63cbb00814" providerId="AD" clId="Web-{E4305095-8002-A4EC-B4A9-3DB1A3CE486C}" dt="2025-09-19T06:50:41.863" v="330" actId="1076"/>
-          <ac:spMkLst>
-            <pc:docMk/>
-            <pc:sldMk cId="1999928100" sldId="266"/>
-            <ac:spMk id="8" creationId="{7693CB0E-32F6-F5A0-0C08-0B8C80D4E58B}"/>
-          </ac:spMkLst>
-        </pc:spChg>
-      </pc:sldChg>
-      <pc:sldChg chg="modSp">
-        <pc:chgData name="Perricone  Claudio Pio" userId="S::s333942@studenti.polito.it::bbaf351d-d027-42c3-a7a6-6c63cbb00814" providerId="AD" clId="Web-{E4305095-8002-A4EC-B4A9-3DB1A3CE486C}" dt="2025-09-19T07:04:21.027" v="714" actId="20577"/>
+        <pc:chgData name="Galati  Stefano" userId="S::s342146@studenti.polito.it::d98d2329-cee4-4cdd-8855-8dc057502252" providerId="AD" clId="Web-{087DC53C-430A-FEAD-7194-9F346053E7EA}" dt="2025-09-18T20:08:55.942" v="6" actId="20577"/>
         <pc:sldMkLst>
           <pc:docMk/>
           <pc:sldMk cId="515134997" sldId="268"/>
         </pc:sldMkLst>
         <pc:spChg chg="mod">
-          <ac:chgData name="Perricone  Claudio Pio" userId="S::s333942@studenti.polito.it::bbaf351d-d027-42c3-a7a6-6c63cbb00814" providerId="AD" clId="Web-{E4305095-8002-A4EC-B4A9-3DB1A3CE486C}" dt="2025-09-19T07:04:21.027" v="714" actId="20577"/>
+          <ac:chgData name="Galati  Stefano" userId="S::s342146@studenti.polito.it::d98d2329-cee4-4cdd-8855-8dc057502252" providerId="AD" clId="Web-{087DC53C-430A-FEAD-7194-9F346053E7EA}" dt="2025-09-18T20:08:55.942" v="6" actId="20577"/>
           <ac:spMkLst>
             <pc:docMk/>
             <pc:sldMk cId="515134997" sldId="268"/>
             <ac:spMk id="8" creationId="{320DE1EA-0453-7F9D-4356-B7C0498B11B5}"/>
           </ac:spMkLst>
         </pc:spChg>
+      </pc:sldChg>
+      <pc:sldChg chg="addSp delSp modSp">
+        <pc:chgData name="Galati  Stefano" userId="S::s342146@studenti.polito.it::d98d2329-cee4-4cdd-8855-8dc057502252" providerId="AD" clId="Web-{087DC53C-430A-FEAD-7194-9F346053E7EA}" dt="2025-09-18T20:05:34.517" v="5" actId="1076"/>
+        <pc:sldMkLst>
+          <pc:docMk/>
+          <pc:sldMk cId="2599516575" sldId="271"/>
+        </pc:sldMkLst>
+        <pc:picChg chg="add mod">
+          <ac:chgData name="Galati  Stefano" userId="S::s342146@studenti.polito.it::d98d2329-cee4-4cdd-8855-8dc057502252" providerId="AD" clId="Web-{087DC53C-430A-FEAD-7194-9F346053E7EA}" dt="2025-09-18T20:05:34.517" v="5" actId="1076"/>
+          <ac:picMkLst>
+            <pc:docMk/>
+            <pc:sldMk cId="2599516575" sldId="271"/>
+            <ac:picMk id="2" creationId="{FBA85E3E-DBEF-D672-431E-079A4DB5C645}"/>
+          </ac:picMkLst>
+        </pc:picChg>
+        <pc:picChg chg="del">
+          <ac:chgData name="Galati  Stefano" userId="S::s342146@studenti.polito.it::d98d2329-cee4-4cdd-8855-8dc057502252" providerId="AD" clId="Web-{087DC53C-430A-FEAD-7194-9F346053E7EA}" dt="2025-09-18T20:05:02.798" v="0"/>
+          <ac:picMkLst>
+            <pc:docMk/>
+            <pc:sldMk cId="2599516575" sldId="271"/>
+            <ac:picMk id="7" creationId="{DE6BA425-07D8-3915-241E-A60E292587B4}"/>
+          </ac:picMkLst>
+        </pc:picChg>
       </pc:sldChg>
     </pc:docChg>
   </pc:docChgLst>
@@ -1167,7 +1175,7 @@
             <a:fld id="{1D8BD707-D9CF-40AE-B4C6-C98DA3205C09}" type="datetimeFigureOut">
               <a:rPr lang="en-US" smtClean="0"/>
               <a:pPr/>
-              <a:t>9/18/2025</a:t>
+              <a:t>9/19/2025</a:t>
             </a:fld>
             <a:endParaRPr lang="en-US"/>
           </a:p>
@@ -1210,7 +1218,7 @@
             <a:fld id="{B6F15528-21DE-4FAA-801E-634DDDAF4B2B}" type="slidenum">
               <a:rPr lang="en-US" smtClean="0"/>
               <a:pPr/>
-              <a:t>‹#›</a:t>
+              <a:t>‹N›</a:t>
             </a:fld>
             <a:endParaRPr lang="en-US"/>
           </a:p>
@@ -1332,7 +1340,7 @@
             <a:fld id="{1D8BD707-D9CF-40AE-B4C6-C98DA3205C09}" type="datetimeFigureOut">
               <a:rPr lang="en-US" smtClean="0"/>
               <a:pPr/>
-              <a:t>9/18/2025</a:t>
+              <a:t>9/19/2025</a:t>
             </a:fld>
             <a:endParaRPr lang="en-US"/>
           </a:p>
@@ -1375,7 +1383,7 @@
             <a:fld id="{B6F15528-21DE-4FAA-801E-634DDDAF4B2B}" type="slidenum">
               <a:rPr lang="en-US" smtClean="0"/>
               <a:pPr/>
-              <a:t>‹#›</a:t>
+              <a:t>‹N›</a:t>
             </a:fld>
             <a:endParaRPr lang="en-US"/>
           </a:p>
@@ -1507,7 +1515,7 @@
             <a:fld id="{1D8BD707-D9CF-40AE-B4C6-C98DA3205C09}" type="datetimeFigureOut">
               <a:rPr lang="en-US" smtClean="0"/>
               <a:pPr/>
-              <a:t>9/18/2025</a:t>
+              <a:t>9/19/2025</a:t>
             </a:fld>
             <a:endParaRPr lang="en-US"/>
           </a:p>
@@ -1550,7 +1558,7 @@
             <a:fld id="{B6F15528-21DE-4FAA-801E-634DDDAF4B2B}" type="slidenum">
               <a:rPr lang="en-US" smtClean="0"/>
               <a:pPr/>
-              <a:t>‹#›</a:t>
+              <a:t>‹N›</a:t>
             </a:fld>
             <a:endParaRPr lang="en-US"/>
           </a:p>
@@ -1672,7 +1680,7 @@
             <a:fld id="{1D8BD707-D9CF-40AE-B4C6-C98DA3205C09}" type="datetimeFigureOut">
               <a:rPr lang="en-US" smtClean="0"/>
               <a:pPr/>
-              <a:t>9/18/2025</a:t>
+              <a:t>9/19/2025</a:t>
             </a:fld>
             <a:endParaRPr lang="en-US"/>
           </a:p>
@@ -1715,7 +1723,7 @@
             <a:fld id="{B6F15528-21DE-4FAA-801E-634DDDAF4B2B}" type="slidenum">
               <a:rPr lang="en-US" smtClean="0"/>
               <a:pPr/>
-              <a:t>‹#›</a:t>
+              <a:t>‹N›</a:t>
             </a:fld>
             <a:endParaRPr lang="en-US"/>
           </a:p>
@@ -1914,7 +1922,7 @@
             <a:fld id="{1D8BD707-D9CF-40AE-B4C6-C98DA3205C09}" type="datetimeFigureOut">
               <a:rPr lang="en-US" smtClean="0"/>
               <a:pPr/>
-              <a:t>9/18/2025</a:t>
+              <a:t>9/19/2025</a:t>
             </a:fld>
             <a:endParaRPr lang="en-US"/>
           </a:p>
@@ -1957,7 +1965,7 @@
             <a:fld id="{B6F15528-21DE-4FAA-801E-634DDDAF4B2B}" type="slidenum">
               <a:rPr lang="en-US" smtClean="0"/>
               <a:pPr/>
-              <a:t>‹#›</a:t>
+              <a:t>‹N›</a:t>
             </a:fld>
             <a:endParaRPr lang="en-US"/>
           </a:p>
@@ -2196,7 +2204,7 @@
             <a:fld id="{1D8BD707-D9CF-40AE-B4C6-C98DA3205C09}" type="datetimeFigureOut">
               <a:rPr lang="en-US" smtClean="0"/>
               <a:pPr/>
-              <a:t>9/18/2025</a:t>
+              <a:t>9/19/2025</a:t>
             </a:fld>
             <a:endParaRPr lang="en-US"/>
           </a:p>
@@ -2239,7 +2247,7 @@
             <a:fld id="{B6F15528-21DE-4FAA-801E-634DDDAF4B2B}" type="slidenum">
               <a:rPr lang="en-US" smtClean="0"/>
               <a:pPr/>
-              <a:t>‹#›</a:t>
+              <a:t>‹N›</a:t>
             </a:fld>
             <a:endParaRPr lang="en-US"/>
           </a:p>
@@ -2612,7 +2620,7 @@
             <a:fld id="{1D8BD707-D9CF-40AE-B4C6-C98DA3205C09}" type="datetimeFigureOut">
               <a:rPr lang="en-US" smtClean="0"/>
               <a:pPr/>
-              <a:t>9/18/2025</a:t>
+              <a:t>9/19/2025</a:t>
             </a:fld>
             <a:endParaRPr lang="en-US"/>
           </a:p>
@@ -2655,7 +2663,7 @@
             <a:fld id="{B6F15528-21DE-4FAA-801E-634DDDAF4B2B}" type="slidenum">
               <a:rPr lang="en-US" smtClean="0"/>
               <a:pPr/>
-              <a:t>‹#›</a:t>
+              <a:t>‹N›</a:t>
             </a:fld>
             <a:endParaRPr lang="en-US"/>
           </a:p>
@@ -2726,7 +2734,7 @@
             <a:fld id="{1D8BD707-D9CF-40AE-B4C6-C98DA3205C09}" type="datetimeFigureOut">
               <a:rPr lang="en-US" smtClean="0"/>
               <a:pPr/>
-              <a:t>9/18/2025</a:t>
+              <a:t>9/19/2025</a:t>
             </a:fld>
             <a:endParaRPr lang="en-US"/>
           </a:p>
@@ -2769,7 +2777,7 @@
             <a:fld id="{B6F15528-21DE-4FAA-801E-634DDDAF4B2B}" type="slidenum">
               <a:rPr lang="en-US" smtClean="0"/>
               <a:pPr/>
-              <a:t>‹#›</a:t>
+              <a:t>‹N›</a:t>
             </a:fld>
             <a:endParaRPr lang="en-US"/>
           </a:p>
@@ -2818,7 +2826,7 @@
             <a:fld id="{1D8BD707-D9CF-40AE-B4C6-C98DA3205C09}" type="datetimeFigureOut">
               <a:rPr lang="en-US" smtClean="0"/>
               <a:pPr/>
-              <a:t>9/18/2025</a:t>
+              <a:t>9/19/2025</a:t>
             </a:fld>
             <a:endParaRPr lang="en-US"/>
           </a:p>
@@ -2861,7 +2869,7 @@
             <a:fld id="{B6F15528-21DE-4FAA-801E-634DDDAF4B2B}" type="slidenum">
               <a:rPr lang="en-US" smtClean="0"/>
               <a:pPr/>
-              <a:t>‹#›</a:t>
+              <a:t>‹N›</a:t>
             </a:fld>
             <a:endParaRPr lang="en-US"/>
           </a:p>
@@ -3090,7 +3098,7 @@
             <a:fld id="{1D8BD707-D9CF-40AE-B4C6-C98DA3205C09}" type="datetimeFigureOut">
               <a:rPr lang="en-US" smtClean="0"/>
               <a:pPr/>
-              <a:t>9/18/2025</a:t>
+              <a:t>9/19/2025</a:t>
             </a:fld>
             <a:endParaRPr lang="en-US"/>
           </a:p>
@@ -3133,7 +3141,7 @@
             <a:fld id="{B6F15528-21DE-4FAA-801E-634DDDAF4B2B}" type="slidenum">
               <a:rPr lang="en-US" smtClean="0"/>
               <a:pPr/>
-              <a:t>‹#›</a:t>
+              <a:t>‹N›</a:t>
             </a:fld>
             <a:endParaRPr lang="en-US"/>
           </a:p>
@@ -3339,7 +3347,7 @@
             <a:fld id="{1D8BD707-D9CF-40AE-B4C6-C98DA3205C09}" type="datetimeFigureOut">
               <a:rPr lang="en-US" smtClean="0"/>
               <a:pPr/>
-              <a:t>9/18/2025</a:t>
+              <a:t>9/19/2025</a:t>
             </a:fld>
             <a:endParaRPr lang="en-US"/>
           </a:p>
@@ -3382,7 +3390,7 @@
             <a:fld id="{B6F15528-21DE-4FAA-801E-634DDDAF4B2B}" type="slidenum">
               <a:rPr lang="en-US" smtClean="0"/>
               <a:pPr/>
-              <a:t>‹#›</a:t>
+              <a:t>‹N›</a:t>
             </a:fld>
             <a:endParaRPr lang="en-US"/>
           </a:p>
@@ -3547,7 +3555,7 @@
             <a:fld id="{1D8BD707-D9CF-40AE-B4C6-C98DA3205C09}" type="datetimeFigureOut">
               <a:rPr lang="en-US" smtClean="0"/>
               <a:pPr/>
-              <a:t>9/18/2025</a:t>
+              <a:t>9/19/2025</a:t>
             </a:fld>
             <a:endParaRPr lang="en-US"/>
           </a:p>
@@ -3626,7 +3634,7 @@
             <a:fld id="{B6F15528-21DE-4FAA-801E-634DDDAF4B2B}" type="slidenum">
               <a:rPr lang="en-US" smtClean="0"/>
               <a:pPr/>
-              <a:t>‹#›</a:t>
+              <a:t>‹N›</a:t>
             </a:fld>
             <a:endParaRPr lang="en-US"/>
           </a:p>
@@ -5955,10 +5963,10 @@
       </p:sp>
       <p:pic>
         <p:nvPicPr>
-          <p:cNvPr id="8" name="Immagine 7">
+          <p:cNvPr id="7" name="Immagine 6">
             <a:extLst>
               <a:ext uri="{FF2B5EF4-FFF2-40B4-BE49-F238E27FC236}">
-                <a16:creationId xmlns:a16="http://schemas.microsoft.com/office/drawing/2014/main" id="{7518BDB4-53B8-558E-744F-BA3DDE599274}"/>
+                <a16:creationId xmlns:a16="http://schemas.microsoft.com/office/drawing/2014/main" id="{A7874CBB-6553-3C9B-56F2-BE502D2CC1BC}"/>
               </a:ext>
             </a:extLst>
           </p:cNvPr>
@@ -5975,8 +5983,8 @@
         </p:blipFill>
         <p:spPr>
           <a:xfrm>
-            <a:off x="396240" y="5491563"/>
-            <a:ext cx="8778240" cy="973531"/>
+            <a:off x="529097" y="5541919"/>
+            <a:ext cx="8695406" cy="1098367"/>
           </a:xfrm>
           <a:prstGeom prst="rect">
             <a:avLst/>
